--- a/media/slidedecks/01_A_Merry_Overview_Of_Python.pptx
+++ b/media/slidedecks/01_A_Merry_Overview_Of_Python.pptx
@@ -5,7 +5,7 @@
     <p:sldMasterId id="2147483659" r:id="rId1"/>
   </p:sldMasterIdLst>
   <p:notesMasterIdLst>
-    <p:notesMasterId r:id="rId107"/>
+    <p:notesMasterId r:id="rId108"/>
   </p:notesMasterIdLst>
   <p:sldIdLst>
     <p:sldId id="256" r:id="rId2"/>
@@ -113,6 +113,7 @@
     <p:sldId id="358" r:id="rId104"/>
     <p:sldId id="359" r:id="rId105"/>
     <p:sldId id="360" r:id="rId106"/>
+    <p:sldId id="361" r:id="rId107"/>
   </p:sldIdLst>
   <p:sldSz cx="9144000" cy="5143500" type="screen16x9"/>
   <p:notesSz cx="6858000" cy="9144000"/>
@@ -347,7 +348,7 @@
   </p:defaultTextStyle>
   <p:extLst>
     <p:ext uri="{EFAFB233-063F-42B5-8137-9DF3F51BA10A}">
-      <p15:sldGuideLst xmlns:p15="http://schemas.microsoft.com/office/powerpoint/2012/main" xmlns:p14="http://schemas.microsoft.com/office/powerpoint/2010/main" xmlns:com="http://schemas.openxmlformats.org/drawingml/2006/compatibility" xmlns:pvml="urn:schemas-microsoft-com:office:powerpoint" xmlns:v="urn:schemas-microsoft-com:vml" xmlns:o="urn:schemas-microsoft-com:office:office" xmlns:dgm="http://schemas.openxmlformats.org/drawingml/2006/diagram" xmlns:c="http://schemas.openxmlformats.org/drawingml/2006/chart" xmlns:mv="urn:schemas-microsoft-com:mac:vml" xmlns:mc="http://schemas.openxmlformats.org/markup-compatibility/2006" xmlns="">
+      <p15:sldGuideLst xmlns="" xmlns:mc="http://schemas.openxmlformats.org/markup-compatibility/2006" xmlns:mv="urn:schemas-microsoft-com:mac:vml" xmlns:c="http://schemas.openxmlformats.org/drawingml/2006/chart" xmlns:dgm="http://schemas.openxmlformats.org/drawingml/2006/diagram" xmlns:o="urn:schemas-microsoft-com:office:office" xmlns:v="urn:schemas-microsoft-com:vml" xmlns:pvml="urn:schemas-microsoft-com:office:powerpoint" xmlns:com="http://schemas.openxmlformats.org/drawingml/2006/compatibility" xmlns:p14="http://schemas.microsoft.com/office/powerpoint/2010/main" xmlns:p15="http://schemas.microsoft.com/office/powerpoint/2012/main">
         <p15:guide id="1" orient="horz" pos="1620">
           <p15:clr>
             <a:srgbClr val="A4A3A4"/>
@@ -2602,7 +2603,7 @@
         </p:nvSpPr>
         <p:spPr>
           <a:xfrm>
-            <a:off x="381300" y="685800"/>
+            <a:off x="381000" y="685800"/>
             <a:ext cx="6096000" cy="3429000"/>
           </a:xfrm>
           <a:custGeom>
@@ -16642,7 +16643,7 @@
               <a:buNone/>
             </a:pPr>
             <a:r>
-              <a:rPr lang="en" sz="4000" b="1"/>
+              <a:rPr lang="en" sz="4000" b="1" dirty="0"/>
               <a:t>A Merry Overview of the Python Programming Language</a:t>
             </a:r>
             <a:endParaRPr sz="4000" b="1"/>
@@ -19245,6 +19246,149 @@
           </a:p>
         </p:txBody>
       </p:sp>
+    </p:spTree>
+  </p:cSld>
+  <p:clrMapOvr>
+    <a:masterClrMapping/>
+  </p:clrMapOvr>
+</p:sld>
+</file>
+
+<file path=ppt/slides/slide106.xml><?xml version="1.0" encoding="utf-8"?>
+<p:sld xmlns:a="http://schemas.openxmlformats.org/drawingml/2006/main" xmlns:r="http://schemas.openxmlformats.org/officeDocument/2006/relationships" xmlns:p="http://schemas.openxmlformats.org/presentationml/2006/main">
+  <p:cSld>
+    <p:spTree>
+      <p:nvGrpSpPr>
+        <p:cNvPr id="1" name=""/>
+        <p:cNvGrpSpPr/>
+        <p:nvPr/>
+      </p:nvGrpSpPr>
+      <p:grpSpPr>
+        <a:xfrm>
+          <a:off x="0" y="0"/>
+          <a:ext cx="0" cy="0"/>
+          <a:chOff x="0" y="0"/>
+          <a:chExt cx="0" cy="0"/>
+        </a:xfrm>
+      </p:grpSpPr>
+      <p:sp>
+        <p:nvSpPr>
+          <p:cNvPr id="2" name="Title 1"/>
+          <p:cNvSpPr>
+            <a:spLocks noGrp="1"/>
+          </p:cNvSpPr>
+          <p:nvPr>
+            <p:ph type="title"/>
+          </p:nvPr>
+        </p:nvSpPr>
+        <p:spPr/>
+        <p:txBody>
+          <a:bodyPr/>
+          <a:lstStyle/>
+          <a:p>
+            <a:r>
+              <a:rPr lang="en-US" dirty="0" smtClean="0"/>
+              <a:t>Check Out The E-book	</a:t>
+            </a:r>
+            <a:endParaRPr lang="en-US" dirty="0"/>
+          </a:p>
+        </p:txBody>
+      </p:sp>
+      <p:sp>
+        <p:nvSpPr>
+          <p:cNvPr id="3" name="Text Placeholder 2"/>
+          <p:cNvSpPr>
+            <a:spLocks noGrp="1"/>
+          </p:cNvSpPr>
+          <p:nvPr>
+            <p:ph type="body" idx="1"/>
+          </p:nvPr>
+        </p:nvSpPr>
+        <p:spPr>
+          <a:xfrm>
+            <a:off x="311699" y="1152474"/>
+            <a:ext cx="8559031" cy="3850449"/>
+          </a:xfrm>
+        </p:spPr>
+        <p:txBody>
+          <a:bodyPr/>
+          <a:lstStyle/>
+          <a:p>
+            <a:pPr>
+              <a:buNone/>
+            </a:pPr>
+            <a:r>
+              <a:rPr lang="en-US" dirty="0" smtClean="0">
+                <a:solidFill>
+                  <a:schemeClr val="tx1"/>
+                </a:solidFill>
+              </a:rPr>
+              <a:t>#1 new release on Amazon! Grab your copy here: </a:t>
+            </a:r>
+            <a:r>
+              <a:rPr lang="en-US" dirty="0" smtClean="0">
+                <a:hlinkClick r:id="rId2"/>
+              </a:rPr>
+              <a:t>https://</a:t>
+            </a:r>
+            <a:r>
+              <a:rPr lang="en-US" dirty="0" smtClean="0">
+                <a:hlinkClick r:id="rId2"/>
+              </a:rPr>
+              <a:t>www.amazon.com/Code-Cool-Stuff-Python-Purcell-ebook/dp/B081XJMNRB</a:t>
+            </a:r>
+            <a:r>
+              <a:rPr lang="en-US" dirty="0" smtClean="0"/>
+              <a:t> </a:t>
+            </a:r>
+          </a:p>
+          <a:p>
+            <a:pPr>
+              <a:buNone/>
+            </a:pPr>
+            <a:endParaRPr lang="en-US" dirty="0" smtClean="0"/>
+          </a:p>
+          <a:p>
+            <a:pPr>
+              <a:buNone/>
+            </a:pPr>
+            <a:endParaRPr lang="en-US" dirty="0"/>
+          </a:p>
+        </p:txBody>
+      </p:sp>
+      <p:pic>
+        <p:nvPicPr>
+          <p:cNvPr id="229378" name="Picture 2"/>
+          <p:cNvPicPr>
+            <a:picLocks noChangeAspect="1" noChangeArrowheads="1"/>
+          </p:cNvPicPr>
+          <p:nvPr/>
+        </p:nvPicPr>
+        <p:blipFill>
+          <a:blip r:embed="rId3"/>
+          <a:srcRect/>
+          <a:stretch>
+            <a:fillRect/>
+          </a:stretch>
+        </p:blipFill>
+        <p:spPr bwMode="auto">
+          <a:xfrm>
+            <a:off x="4418286" y="2091557"/>
+            <a:ext cx="1659896" cy="2655833"/>
+          </a:xfrm>
+          <a:prstGeom prst="rect">
+            <a:avLst/>
+          </a:prstGeom>
+          <a:noFill/>
+          <a:ln w="9525">
+            <a:noFill/>
+            <a:miter lim="800000"/>
+            <a:headEnd/>
+            <a:tailEnd/>
+          </a:ln>
+          <a:effectLst/>
+        </p:spPr>
+      </p:pic>
     </p:spTree>
   </p:cSld>
   <p:clrMapOvr>
@@ -21033,7 +21177,7 @@
               <a:buNone/>
             </a:pPr>
             <a:r>
-              <a:rPr lang="en"/>
+              <a:rPr lang="en" dirty="0"/>
               <a:t>A Very Special Thanks to Our Venue Sponsor! </a:t>
             </a:r>
             <a:endParaRPr/>
@@ -21065,39 +21209,48 @@
           </a:bodyPr>
           <a:lstStyle/>
           <a:p>
-            <a:pPr marL="0" lvl="0" indent="0" algn="l" rtl="0">
-              <a:spcBef>
-                <a:spcPts val="0"/>
-              </a:spcBef>
-              <a:spcAft>
-                <a:spcPts val="0"/>
-              </a:spcAft>
-              <a:buNone/>
-            </a:pPr>
-            <a:r>
-              <a:rPr lang="en" sz="2200">
+            <a:pPr marL="0" lvl="0" indent="0">
+              <a:buNone/>
+            </a:pPr>
+            <a:r>
+              <a:rPr lang="en" sz="2200" dirty="0">
                 <a:solidFill>
                   <a:srgbClr val="000000"/>
                 </a:solidFill>
               </a:rPr>
-              <a:t>Event venue:</a:t>
-            </a:r>
-            <a:r>
-              <a:rPr lang="en" sz="2200"/>
+              <a:t>Event </a:t>
+            </a:r>
+            <a:r>
+              <a:rPr lang="en" sz="2200" dirty="0" smtClean="0">
+                <a:solidFill>
+                  <a:srgbClr val="000000"/>
+                </a:solidFill>
+              </a:rPr>
+              <a:t>venue</a:t>
+            </a:r>
+            <a:r>
+              <a:rPr lang="en" sz="2200" dirty="0" smtClean="0">
+                <a:solidFill>
+                  <a:srgbClr val="000000"/>
+                </a:solidFill>
+              </a:rPr>
+              <a:t>: </a:t>
+            </a:r>
+            <a:r>
+              <a:rPr lang="en-US" sz="2400" dirty="0" smtClean="0">
+                <a:hlinkClick r:id="rId3"/>
+              </a:rPr>
+              <a:t>https://</a:t>
+            </a:r>
+            <a:r>
+              <a:rPr lang="en-US" sz="2400" dirty="0" smtClean="0">
+                <a:hlinkClick r:id="rId3"/>
+              </a:rPr>
+              <a:t>generalassemb.ly</a:t>
+            </a:r>
+            <a:r>
+              <a:rPr lang="en-US" sz="2400" dirty="0" smtClean="0"/>
               <a:t> </a:t>
-            </a:r>
-            <a:r>
-              <a:rPr lang="en" sz="2200" b="1" u="sng">
-                <a:solidFill>
-                  <a:schemeClr val="hlink"/>
-                </a:solidFill>
-                <a:latin typeface="Courier New"/>
-                <a:ea typeface="Courier New"/>
-                <a:cs typeface="Courier New"/>
-                <a:sym typeface="Courier New"/>
-                <a:hlinkClick r:id="rId3"/>
-              </a:rPr>
-              <a:t>www.codemarket.io</a:t>
             </a:r>
             <a:endParaRPr sz="2200" b="1">
               <a:latin typeface="Courier New"/>
@@ -21134,30 +21287,28 @@
       </p:sp>
       <p:pic>
         <p:nvPicPr>
-          <p:cNvPr id="62" name="Google Shape;62;p14"/>
-          <p:cNvPicPr preferRelativeResize="0"/>
+          <p:cNvPr id="212994" name="Picture 2" descr="Image result for general assembly"/>
+          <p:cNvPicPr>
+            <a:picLocks noChangeAspect="1" noChangeArrowheads="1"/>
+          </p:cNvPicPr>
           <p:nvPr/>
         </p:nvPicPr>
         <p:blipFill>
-          <a:blip r:embed="rId4">
-            <a:alphaModFix/>
-          </a:blip>
+          <a:blip r:embed="rId4"/>
+          <a:srcRect/>
           <a:stretch>
             <a:fillRect/>
           </a:stretch>
         </p:blipFill>
-        <p:spPr>
-          <a:xfrm>
-            <a:off x="1749050" y="2401700"/>
-            <a:ext cx="4475850" cy="968175"/>
+        <p:spPr bwMode="auto">
+          <a:xfrm>
+            <a:off x="1229709" y="2020917"/>
+            <a:ext cx="4286141" cy="2250224"/>
           </a:xfrm>
           <a:prstGeom prst="rect">
             <a:avLst/>
           </a:prstGeom>
           <a:noFill/>
-          <a:ln>
-            <a:noFill/>
-          </a:ln>
         </p:spPr>
       </p:pic>
     </p:spTree>
@@ -22926,7 +23077,7 @@
               <a:buChar char="●"/>
             </a:pPr>
             <a:r>
-              <a:rPr lang="en" sz="2200">
+              <a:rPr lang="en" sz="2200" dirty="0">
                 <a:solidFill>
                   <a:srgbClr val="000000"/>
                 </a:solidFill>
@@ -22954,7 +23105,7 @@
               <a:buChar char="●"/>
             </a:pPr>
             <a:r>
-              <a:rPr lang="en" sz="2200">
+              <a:rPr lang="en" sz="2200" dirty="0">
                 <a:solidFill>
                   <a:srgbClr val="000000"/>
                 </a:solidFill>
@@ -22982,7 +23133,7 @@
               <a:buChar char="●"/>
             </a:pPr>
             <a:r>
-              <a:rPr lang="en" sz="2200">
+              <a:rPr lang="en" sz="2200" dirty="0">
                 <a:solidFill>
                   <a:srgbClr val="000000"/>
                 </a:solidFill>
@@ -28562,7 +28713,7 @@
               <a:buNone/>
             </a:pPr>
             <a:r>
-              <a:rPr lang="en" sz="2400">
+              <a:rPr lang="en" sz="2400" dirty="0">
                 <a:solidFill>
                   <a:srgbClr val="000000"/>
                 </a:solidFill>
